--- a/events/2020-09-11/slides/02-review-last-semester.pptx
+++ b/events/2020-09-11/slides/02-review-last-semester.pptx
@@ -1,6 +1,6 @@
 
 <file path=ppt/presentation.xml><?xml version="1.0" encoding="utf-8"?>
-<p:presentation xmlns:a="http://schemas.openxmlformats.org/drawingml/2006/main" xmlns:r="http://schemas.openxmlformats.org/officeDocument/2006/relationships" xmlns:p="http://schemas.openxmlformats.org/presentationml/2006/main" showSpecialPlsOnTitleSld="0" saveSubsetFonts="1">
+<p:presentation xmlns:a="http://schemas.openxmlformats.org/drawingml/2006/main" xmlns:r="http://schemas.openxmlformats.org/officeDocument/2006/relationships" xmlns:p="http://schemas.openxmlformats.org/presentationml/2006/main" saveSubsetFonts="1">
   <p:sldMasterIdLst>
     <p:sldMasterId id="2147483660" r:id="rId1"/>
   </p:sldMasterIdLst>
@@ -21684,10 +21684,18 @@
           <a:bodyPr/>
           <a:lstStyle>
             <a:lvl1pPr>
-              <a:defRPr sz="2400"/>
+              <a:defRPr sz="1200"/>
             </a:lvl1pPr>
           </a:lstStyle>
           <a:p>
+            <a:r>
+              <a:rPr kumimoji="1" lang="en-US" altLang="ja-JP" dirty="0"/>
+              <a:t>A</a:t>
+            </a:r>
+            <a:r>
+              <a:rPr kumimoji="1" lang="ja-JP" altLang="en-US" dirty="0"/>
+              <a:t>セメスタ説明会 </a:t>
+            </a:r>
             <a:r>
               <a:rPr kumimoji="1" lang="en-US" altLang="ja-JP" dirty="0"/>
               <a:t>utelecon.github.io</a:t>
@@ -21890,6 +21898,14 @@
           <a:bodyPr/>
           <a:lstStyle/>
           <a:p>
+            <a:r>
+              <a:rPr kumimoji="1" lang="en-US" altLang="ja-JP"/>
+              <a:t>A</a:t>
+            </a:r>
+            <a:r>
+              <a:rPr kumimoji="1" lang="ja-JP" altLang="en-US"/>
+              <a:t>セメスタ説明会 </a:t>
+            </a:r>
             <a:r>
               <a:rPr kumimoji="1" lang="en-US" altLang="ja-JP"/>
               <a:t>utelecon.github.io</a:t>
@@ -22104,6 +22120,14 @@
           <a:p>
             <a:r>
               <a:rPr kumimoji="1" lang="en-US" altLang="ja-JP"/>
+              <a:t>A</a:t>
+            </a:r>
+            <a:r>
+              <a:rPr kumimoji="1" lang="ja-JP" altLang="en-US"/>
+              <a:t>セメスタ説明会 </a:t>
+            </a:r>
+            <a:r>
+              <a:rPr kumimoji="1" lang="en-US" altLang="ja-JP"/>
               <a:t>utelecon.github.io</a:t>
             </a:r>
             <a:endParaRPr kumimoji="1" lang="ja-JP" altLang="en-US"/>
@@ -22304,6 +22328,14 @@
           <a:bodyPr/>
           <a:lstStyle/>
           <a:p>
+            <a:r>
+              <a:rPr kumimoji="1" lang="en-US" altLang="ja-JP"/>
+              <a:t>A</a:t>
+            </a:r>
+            <a:r>
+              <a:rPr kumimoji="1" lang="ja-JP" altLang="en-US"/>
+              <a:t>セメスタ説明会 </a:t>
+            </a:r>
             <a:r>
               <a:rPr kumimoji="1" lang="en-US" altLang="ja-JP"/>
               <a:t>utelecon.github.io</a:t>
@@ -42980,6 +43012,14 @@
           <a:bodyPr/>
           <a:lstStyle/>
           <a:p>
+            <a:r>
+              <a:rPr kumimoji="1" lang="en-US" altLang="ja-JP"/>
+              <a:t>A</a:t>
+            </a:r>
+            <a:r>
+              <a:rPr kumimoji="1" lang="ja-JP" altLang="en-US"/>
+              <a:t>セメスタ説明会 </a:t>
+            </a:r>
             <a:r>
               <a:rPr kumimoji="1" lang="en-US" altLang="ja-JP"/>
               <a:t>utelecon.github.io</a:t>
@@ -43916,6 +43956,14 @@
           <a:p>
             <a:r>
               <a:rPr kumimoji="1" lang="en-US" altLang="ja-JP"/>
+              <a:t>A</a:t>
+            </a:r>
+            <a:r>
+              <a:rPr kumimoji="1" lang="ja-JP" altLang="en-US"/>
+              <a:t>セメスタ説明会 </a:t>
+            </a:r>
+            <a:r>
+              <a:rPr kumimoji="1" lang="en-US" altLang="ja-JP"/>
               <a:t>utelecon.github.io</a:t>
             </a:r>
             <a:endParaRPr kumimoji="1" lang="ja-JP" altLang="en-US"/>
@@ -44402,6 +44450,14 @@
           <a:p>
             <a:r>
               <a:rPr kumimoji="1" lang="en-US" altLang="ja-JP"/>
+              <a:t>A</a:t>
+            </a:r>
+            <a:r>
+              <a:rPr kumimoji="1" lang="ja-JP" altLang="en-US"/>
+              <a:t>セメスタ説明会 </a:t>
+            </a:r>
+            <a:r>
+              <a:rPr kumimoji="1" lang="en-US" altLang="ja-JP"/>
               <a:t>utelecon.github.io</a:t>
             </a:r>
             <a:endParaRPr kumimoji="1" lang="ja-JP" altLang="en-US"/>
@@ -44529,6 +44585,14 @@
           <a:p>
             <a:r>
               <a:rPr kumimoji="1" lang="en-US" altLang="ja-JP"/>
+              <a:t>A</a:t>
+            </a:r>
+            <a:r>
+              <a:rPr kumimoji="1" lang="ja-JP" altLang="en-US"/>
+              <a:t>セメスタ説明会 </a:t>
+            </a:r>
+            <a:r>
+              <a:rPr kumimoji="1" lang="en-US" altLang="ja-JP"/>
               <a:t>utelecon.github.io</a:t>
             </a:r>
             <a:endParaRPr kumimoji="1" lang="ja-JP" altLang="en-US"/>
@@ -44622,6 +44686,14 @@
           <a:bodyPr/>
           <a:lstStyle/>
           <a:p>
+            <a:r>
+              <a:rPr kumimoji="1" lang="en-US" altLang="ja-JP"/>
+              <a:t>A</a:t>
+            </a:r>
+            <a:r>
+              <a:rPr kumimoji="1" lang="ja-JP" altLang="en-US"/>
+              <a:t>セメスタ説明会 </a:t>
+            </a:r>
             <a:r>
               <a:rPr kumimoji="1" lang="en-US" altLang="ja-JP"/>
               <a:t>utelecon.github.io</a:t>
@@ -44994,6 +45066,14 @@
           <a:p>
             <a:r>
               <a:rPr kumimoji="1" lang="en-US" altLang="ja-JP"/>
+              <a:t>A</a:t>
+            </a:r>
+            <a:r>
+              <a:rPr kumimoji="1" lang="ja-JP" altLang="en-US"/>
+              <a:t>セメスタ説明会 </a:t>
+            </a:r>
+            <a:r>
+              <a:rPr kumimoji="1" lang="en-US" altLang="ja-JP"/>
               <a:t>utelecon.github.io</a:t>
             </a:r>
             <a:endParaRPr kumimoji="1" lang="ja-JP" altLang="en-US"/>
@@ -45337,6 +45417,14 @@
           <a:p>
             <a:r>
               <a:rPr kumimoji="1" lang="en-US" altLang="ja-JP"/>
+              <a:t>A</a:t>
+            </a:r>
+            <a:r>
+              <a:rPr kumimoji="1" lang="ja-JP" altLang="en-US"/>
+              <a:t>セメスタ説明会 </a:t>
+            </a:r>
+            <a:r>
+              <a:rPr kumimoji="1" lang="en-US" altLang="ja-JP"/>
               <a:t>utelecon.github.io</a:t>
             </a:r>
             <a:endParaRPr kumimoji="1" lang="ja-JP" altLang="en-US"/>
@@ -51840,7 +51928,7 @@
           <a:bodyPr vert="horz" rtlCol="0" anchor="ctr"/>
           <a:lstStyle>
             <a:lvl1pPr algn="ctr" eaLnBrk="1" latinLnBrk="0" hangingPunct="1">
-              <a:defRPr kumimoji="0" sz="2400">
+              <a:defRPr kumimoji="0" sz="1200" baseline="0">
                 <a:solidFill>
                   <a:schemeClr val="tx2"/>
                 </a:solidFill>
@@ -51848,6 +51936,14 @@
             </a:lvl1pPr>
           </a:lstStyle>
           <a:p>
+            <a:r>
+              <a:rPr kumimoji="1" lang="en-US" altLang="ja-JP" dirty="0"/>
+              <a:t>A</a:t>
+            </a:r>
+            <a:r>
+              <a:rPr kumimoji="1" lang="ja-JP" altLang="en-US" dirty="0"/>
+              <a:t>セメスタ説明会 </a:t>
+            </a:r>
             <a:r>
               <a:rPr kumimoji="1" lang="en-US" altLang="ja-JP" dirty="0"/>
               <a:t>utelecon.github.io</a:t>
@@ -52273,17 +52369,6 @@
             <a:pPr algn="l"/>
             <a:r>
               <a:rPr kumimoji="1" lang="en-US" altLang="ja-JP" dirty="0"/>
-              <a:t>A</a:t>
-            </a:r>
-            <a:r>
-              <a:rPr kumimoji="1" lang="ja-JP" altLang="en-US" dirty="0"/>
-              <a:t>セメスタ実施にあたり </a:t>
-            </a:r>
-            <a:br>
-              <a:rPr kumimoji="1" lang="en-US" altLang="ja-JP" dirty="0"/>
-            </a:br>
-            <a:r>
-              <a:rPr kumimoji="1" lang="en-US" altLang="ja-JP" dirty="0"/>
               <a:t>S</a:t>
             </a:r>
             <a:r>
@@ -52316,6 +52401,102 @@
               <a:t>情報基盤センター 田浦健次朗</a:t>
             </a:r>
             <a:endParaRPr kumimoji="1" lang="en-US" altLang="ja-JP" dirty="0"/>
+          </a:p>
+        </p:txBody>
+      </p:sp>
+      <p:sp>
+        <p:nvSpPr>
+          <p:cNvPr id="4" name="日付プレースホルダー 3">
+            <a:extLst>
+              <a:ext uri="{FF2B5EF4-FFF2-40B4-BE49-F238E27FC236}">
+                <a16:creationId xmlns:a16="http://schemas.microsoft.com/office/drawing/2014/main" id="{D1D9129F-7FEA-4C29-B2BE-CBA235822AFD}"/>
+              </a:ext>
+            </a:extLst>
+          </p:cNvPr>
+          <p:cNvSpPr>
+            <a:spLocks noGrp="1"/>
+          </p:cNvSpPr>
+          <p:nvPr>
+            <p:ph type="dt" sz="half" idx="10"/>
+          </p:nvPr>
+        </p:nvSpPr>
+        <p:spPr/>
+        <p:txBody>
+          <a:bodyPr/>
+          <a:lstStyle/>
+          <a:p>
+            <a:r>
+              <a:rPr kumimoji="1" lang="en-US" altLang="ja-JP"/>
+              <a:t>2020/9/11</a:t>
+            </a:r>
+            <a:endParaRPr kumimoji="1" lang="ja-JP" altLang="en-US"/>
+          </a:p>
+        </p:txBody>
+      </p:sp>
+      <p:sp>
+        <p:nvSpPr>
+          <p:cNvPr id="5" name="フッター プレースホルダー 4">
+            <a:extLst>
+              <a:ext uri="{FF2B5EF4-FFF2-40B4-BE49-F238E27FC236}">
+                <a16:creationId xmlns:a16="http://schemas.microsoft.com/office/drawing/2014/main" id="{3DB8B697-4FCB-455E-AF38-798AA9A464BD}"/>
+              </a:ext>
+            </a:extLst>
+          </p:cNvPr>
+          <p:cNvSpPr>
+            <a:spLocks noGrp="1"/>
+          </p:cNvSpPr>
+          <p:nvPr>
+            <p:ph type="ftr" sz="quarter" idx="11"/>
+          </p:nvPr>
+        </p:nvSpPr>
+        <p:spPr/>
+        <p:txBody>
+          <a:bodyPr/>
+          <a:lstStyle/>
+          <a:p>
+            <a:r>
+              <a:rPr kumimoji="1" lang="en-US" altLang="ja-JP"/>
+              <a:t>A</a:t>
+            </a:r>
+            <a:r>
+              <a:rPr kumimoji="1" lang="ja-JP" altLang="en-US"/>
+              <a:t>セメスタ説明会 </a:t>
+            </a:r>
+            <a:r>
+              <a:rPr kumimoji="1" lang="en-US" altLang="ja-JP"/>
+              <a:t>utelecon.github.io</a:t>
+            </a:r>
+            <a:endParaRPr kumimoji="1" lang="ja-JP" altLang="en-US" dirty="0"/>
+          </a:p>
+        </p:txBody>
+      </p:sp>
+      <p:sp>
+        <p:nvSpPr>
+          <p:cNvPr id="6" name="スライド番号プレースホルダー 5">
+            <a:extLst>
+              <a:ext uri="{FF2B5EF4-FFF2-40B4-BE49-F238E27FC236}">
+                <a16:creationId xmlns:a16="http://schemas.microsoft.com/office/drawing/2014/main" id="{8E5C2785-4AAA-482D-B280-0208BE1D9C10}"/>
+              </a:ext>
+            </a:extLst>
+          </p:cNvPr>
+          <p:cNvSpPr>
+            <a:spLocks noGrp="1"/>
+          </p:cNvSpPr>
+          <p:nvPr>
+            <p:ph type="sldNum" sz="quarter" idx="12"/>
+          </p:nvPr>
+        </p:nvSpPr>
+        <p:spPr/>
+        <p:txBody>
+          <a:bodyPr/>
+          <a:lstStyle/>
+          <a:p>
+            <a:fld id="{EDF77D8D-9987-453A-9A05-EB91CA595C68}" type="slidenum">
+              <a:rPr kumimoji="1" lang="ja-JP" altLang="en-US" smtClean="0"/>
+              <a:pPr/>
+              <a:t>1</a:t>
+            </a:fld>
+            <a:endParaRPr kumimoji="1" lang="ja-JP" altLang="en-US"/>
           </a:p>
         </p:txBody>
       </p:sp>
@@ -52427,6 +52608,14 @@
           <a:bodyPr/>
           <a:lstStyle/>
           <a:p>
+            <a:r>
+              <a:rPr kumimoji="1" lang="en-US" altLang="ja-JP"/>
+              <a:t>A</a:t>
+            </a:r>
+            <a:r>
+              <a:rPr kumimoji="1" lang="ja-JP" altLang="en-US"/>
+              <a:t>セメスタ説明会 </a:t>
+            </a:r>
             <a:r>
               <a:rPr kumimoji="1" lang="en-US" altLang="ja-JP"/>
               <a:t>utelecon.github.io</a:t>
@@ -52570,6 +52759,14 @@
           <a:p>
             <a:r>
               <a:rPr kumimoji="1" lang="en-US" altLang="ja-JP"/>
+              <a:t>A</a:t>
+            </a:r>
+            <a:r>
+              <a:rPr kumimoji="1" lang="ja-JP" altLang="en-US"/>
+              <a:t>セメスタ説明会 </a:t>
+            </a:r>
+            <a:r>
+              <a:rPr kumimoji="1" lang="en-US" altLang="ja-JP"/>
               <a:t>utelecon.github.io</a:t>
             </a:r>
             <a:endParaRPr kumimoji="1" lang="ja-JP" altLang="en-US"/>
@@ -52611,7 +52808,7 @@
 <file path=ppt/theme/theme1.xml><?xml version="1.0" encoding="utf-8"?>
 <a:theme xmlns:a="http://schemas.openxmlformats.org/drawingml/2006/main" name="雪藤">
   <a:themeElements>
-    <a:clrScheme name="Office 2007-2010">
+    <a:clrScheme name="黄色がかったオレンジ">
       <a:dk1>
         <a:sysClr val="windowText" lastClr="000000"/>
       </a:dk1>
@@ -52619,34 +52816,34 @@
         <a:sysClr val="window" lastClr="FFFFFF"/>
       </a:lt1>
       <a:dk2>
-        <a:srgbClr val="1F497D"/>
+        <a:srgbClr val="4E3B30"/>
       </a:dk2>
       <a:lt2>
-        <a:srgbClr val="EEECE1"/>
+        <a:srgbClr val="FBEEC9"/>
       </a:lt2>
       <a:accent1>
-        <a:srgbClr val="4F81BD"/>
+        <a:srgbClr val="F0A22E"/>
       </a:accent1>
       <a:accent2>
-        <a:srgbClr val="C0504D"/>
+        <a:srgbClr val="A5644E"/>
       </a:accent2>
       <a:accent3>
-        <a:srgbClr val="9BBB59"/>
+        <a:srgbClr val="B58B80"/>
       </a:accent3>
       <a:accent4>
-        <a:srgbClr val="8064A2"/>
+        <a:srgbClr val="C3986D"/>
       </a:accent4>
       <a:accent5>
-        <a:srgbClr val="4BACC6"/>
+        <a:srgbClr val="A19574"/>
       </a:accent5>
       <a:accent6>
-        <a:srgbClr val="F79646"/>
+        <a:srgbClr val="C17529"/>
       </a:accent6>
       <a:hlink>
-        <a:srgbClr val="0000FF"/>
+        <a:srgbClr val="AD1F1F"/>
       </a:hlink>
       <a:folHlink>
-        <a:srgbClr val="800080"/>
+        <a:srgbClr val="FFC42F"/>
       </a:folHlink>
     </a:clrScheme>
     <a:fontScheme name="ユーザー定義 1">

--- a/events/2020-09-11/slides/02-review-last-semester.pptx
+++ b/events/2020-09-11/slides/02-review-last-semester.pptx
@@ -5,12 +5,16 @@
     <p:sldMasterId id="2147483660" r:id="rId1"/>
   </p:sldMasterIdLst>
   <p:notesMasterIdLst>
-    <p:notesMasterId r:id="rId5"/>
+    <p:notesMasterId r:id="rId9"/>
   </p:notesMasterIdLst>
   <p:sldIdLst>
     <p:sldId id="256" r:id="rId2"/>
-    <p:sldId id="257" r:id="rId3"/>
+    <p:sldId id="366" r:id="rId3"/>
     <p:sldId id="365" r:id="rId4"/>
+    <p:sldId id="368" r:id="rId5"/>
+    <p:sldId id="367" r:id="rId6"/>
+    <p:sldId id="257" r:id="rId7"/>
+    <p:sldId id="369" r:id="rId8"/>
   </p:sldIdLst>
   <p:sldSz cx="9144000" cy="6858000" type="screen4x3"/>
   <p:notesSz cx="6858000" cy="9144000"/>
@@ -225,7 +229,7 @@
             <a:fld id="{35305EB0-020F-4995-961E-A35B2BB78D2B}" type="datetimeFigureOut">
               <a:rPr kumimoji="1" lang="ja-JP" altLang="en-US" smtClean="0"/>
               <a:pPr/>
-              <a:t>2020/9/4</a:t>
+              <a:t>2020/9/5</a:t>
             </a:fld>
             <a:endParaRPr kumimoji="1" lang="ja-JP" altLang="en-US"/>
           </a:p>
@@ -52527,7 +52531,13 @@
       </p:grpSpPr>
       <p:sp>
         <p:nvSpPr>
-          <p:cNvPr id="2" name="タイトル 1"/>
+          <p:cNvPr id="2" name="タイトル 1">
+            <a:extLst>
+              <a:ext uri="{FF2B5EF4-FFF2-40B4-BE49-F238E27FC236}">
+                <a16:creationId xmlns:a16="http://schemas.microsoft.com/office/drawing/2014/main" id="{B3B4886F-D6CB-4EA9-A8CE-18F0488D2A5D}"/>
+              </a:ext>
+            </a:extLst>
+          </p:cNvPr>
           <p:cNvSpPr>
             <a:spLocks noGrp="1"/>
           </p:cNvSpPr>
@@ -52537,20 +52547,27 @@
         </p:nvSpPr>
         <p:spPr/>
         <p:txBody>
-          <a:bodyPr/>
+          <a:bodyPr>
+            <a:normAutofit fontScale="90000"/>
+          </a:bodyPr>
           <a:lstStyle/>
           <a:p>
             <a:r>
-              <a:rPr lang="ja-JP" altLang="en-US" dirty="0"/>
-              <a:t>趣旨</a:t>
+              <a:rPr kumimoji="1" lang="ja-JP" altLang="en-US" dirty="0"/>
+              <a:t>授業出席時間・勉強時間について</a:t>
             </a:r>
-            <a:endParaRPr kumimoji="1" lang="ja-JP" altLang="en-US" dirty="0"/>
           </a:p>
         </p:txBody>
       </p:sp>
       <p:sp>
         <p:nvSpPr>
-          <p:cNvPr id="3" name="コンテンツ プレースホルダ 2"/>
+          <p:cNvPr id="3" name="コンテンツ プレースホルダー 2">
+            <a:extLst>
+              <a:ext uri="{FF2B5EF4-FFF2-40B4-BE49-F238E27FC236}">
+                <a16:creationId xmlns:a16="http://schemas.microsoft.com/office/drawing/2014/main" id="{0F373D89-C4CE-442F-AD61-FC0660BD301F}"/>
+              </a:ext>
+            </a:extLst>
+          </p:cNvPr>
           <p:cNvSpPr>
             <a:spLocks noGrp="1"/>
           </p:cNvSpPr>
@@ -52560,23 +52577,27 @@
         </p:nvSpPr>
         <p:spPr/>
         <p:txBody>
-          <a:bodyPr>
-            <a:normAutofit/>
-          </a:bodyPr>
+          <a:bodyPr/>
           <a:lstStyle/>
           <a:p>
-            <a:endParaRPr kumimoji="1" lang="en-US" altLang="ja-JP" dirty="0"/>
+            <a:endParaRPr kumimoji="1" lang="ja-JP" altLang="en-US"/>
           </a:p>
         </p:txBody>
       </p:sp>
       <p:sp>
         <p:nvSpPr>
-          <p:cNvPr id="6" name="スライド番号プレースホルダ 5"/>
+          <p:cNvPr id="4" name="日付プレースホルダー 3">
+            <a:extLst>
+              <a:ext uri="{FF2B5EF4-FFF2-40B4-BE49-F238E27FC236}">
+                <a16:creationId xmlns:a16="http://schemas.microsoft.com/office/drawing/2014/main" id="{55B10A30-B49E-4E5D-A686-5A895C382CBC}"/>
+              </a:ext>
+            </a:extLst>
+          </p:cNvPr>
           <p:cNvSpPr>
             <a:spLocks noGrp="1"/>
           </p:cNvSpPr>
           <p:nvPr>
-            <p:ph type="sldNum" sz="quarter" idx="12"/>
+            <p:ph type="dt" sz="half" idx="10"/>
           </p:nvPr>
         </p:nvSpPr>
         <p:spPr/>
@@ -52584,18 +52605,23 @@
           <a:bodyPr/>
           <a:lstStyle/>
           <a:p>
-            <a:fld id="{EDF77D8D-9987-453A-9A05-EB91CA595C68}" type="slidenum">
-              <a:rPr kumimoji="1" lang="ja-JP" altLang="en-US" smtClean="0"/>
-              <a:pPr/>
-              <a:t>2</a:t>
-            </a:fld>
+            <a:r>
+              <a:rPr kumimoji="1" lang="en-US" altLang="ja-JP"/>
+              <a:t>2020/9/11</a:t>
+            </a:r>
             <a:endParaRPr kumimoji="1" lang="ja-JP" altLang="en-US"/>
           </a:p>
         </p:txBody>
       </p:sp>
       <p:sp>
         <p:nvSpPr>
-          <p:cNvPr id="7" name="フッター プレースホルダ 6"/>
+          <p:cNvPr id="5" name="フッター プレースホルダー 4">
+            <a:extLst>
+              <a:ext uri="{FF2B5EF4-FFF2-40B4-BE49-F238E27FC236}">
+                <a16:creationId xmlns:a16="http://schemas.microsoft.com/office/drawing/2014/main" id="{25A6AC37-0C1F-4285-ADD2-C47D7730C448}"/>
+              </a:ext>
+            </a:extLst>
+          </p:cNvPr>
           <p:cNvSpPr>
             <a:spLocks noGrp="1"/>
           </p:cNvSpPr>
@@ -52626,12 +52652,18 @@
       </p:sp>
       <p:sp>
         <p:nvSpPr>
-          <p:cNvPr id="8" name="日付プレースホルダ 7"/>
+          <p:cNvPr id="6" name="スライド番号プレースホルダー 5">
+            <a:extLst>
+              <a:ext uri="{FF2B5EF4-FFF2-40B4-BE49-F238E27FC236}">
+                <a16:creationId xmlns:a16="http://schemas.microsoft.com/office/drawing/2014/main" id="{2A9E984D-AC65-4BEE-9008-2017EE92306B}"/>
+              </a:ext>
+            </a:extLst>
+          </p:cNvPr>
           <p:cNvSpPr>
             <a:spLocks noGrp="1"/>
           </p:cNvSpPr>
           <p:nvPr>
-            <p:ph type="dt" sz="half" idx="10"/>
+            <p:ph type="sldNum" sz="quarter" idx="12"/>
           </p:nvPr>
         </p:nvSpPr>
         <p:spPr/>
@@ -52639,15 +52671,21 @@
           <a:bodyPr/>
           <a:lstStyle/>
           <a:p>
-            <a:r>
-              <a:rPr kumimoji="1" lang="en-US" altLang="ja-JP"/>
-              <a:t>2020/9/11</a:t>
-            </a:r>
+            <a:fld id="{EDF77D8D-9987-453A-9A05-EB91CA595C68}" type="slidenum">
+              <a:rPr kumimoji="1" lang="ja-JP" altLang="en-US" smtClean="0"/>
+              <a:pPr/>
+              <a:t>2</a:t>
+            </a:fld>
             <a:endParaRPr kumimoji="1" lang="ja-JP" altLang="en-US"/>
           </a:p>
         </p:txBody>
       </p:sp>
     </p:spTree>
+    <p:extLst>
+      <p:ext uri="{BB962C8B-B14F-4D97-AF65-F5344CB8AC3E}">
+        <p14:creationId xmlns:p14="http://schemas.microsoft.com/office/powerpoint/2010/main" val="1942931831"/>
+      </p:ext>
+    </p:extLst>
   </p:cSld>
   <p:clrMapOvr>
     <a:masterClrMapping/>
@@ -52684,13 +52722,16 @@
         </p:nvSpPr>
         <p:spPr/>
         <p:txBody>
-          <a:bodyPr/>
+          <a:bodyPr>
+            <a:normAutofit/>
+          </a:bodyPr>
           <a:lstStyle/>
           <a:p>
             <a:r>
-              <a:rPr kumimoji="1" lang="ja-JP" altLang="en-US" dirty="0"/>
-              <a:t>議題</a:t>
+              <a:rPr lang="ja-JP" altLang="en-US" dirty="0"/>
+              <a:t>学生の声</a:t>
             </a:r>
+            <a:endParaRPr kumimoji="1" lang="ja-JP" altLang="en-US" dirty="0"/>
           </a:p>
         </p:txBody>
       </p:sp>
@@ -52798,6 +52839,732 @@
         </p:txBody>
       </p:sp>
     </p:spTree>
+  </p:cSld>
+  <p:clrMapOvr>
+    <a:masterClrMapping/>
+  </p:clrMapOvr>
+</p:sld>
+</file>
+
+<file path=ppt/slides/slide4.xml><?xml version="1.0" encoding="utf-8"?>
+<p:sld xmlns:a="http://schemas.openxmlformats.org/drawingml/2006/main" xmlns:r="http://schemas.openxmlformats.org/officeDocument/2006/relationships" xmlns:p="http://schemas.openxmlformats.org/presentationml/2006/main">
+  <p:cSld>
+    <p:spTree>
+      <p:nvGrpSpPr>
+        <p:cNvPr id="1" name=""/>
+        <p:cNvGrpSpPr/>
+        <p:nvPr/>
+      </p:nvGrpSpPr>
+      <p:grpSpPr>
+        <a:xfrm>
+          <a:off x="0" y="0"/>
+          <a:ext cx="0" cy="0"/>
+          <a:chOff x="0" y="0"/>
+          <a:chExt cx="0" cy="0"/>
+        </a:xfrm>
+      </p:grpSpPr>
+      <p:sp>
+        <p:nvSpPr>
+          <p:cNvPr id="2" name="タイトル 1">
+            <a:extLst>
+              <a:ext uri="{FF2B5EF4-FFF2-40B4-BE49-F238E27FC236}">
+                <a16:creationId xmlns:a16="http://schemas.microsoft.com/office/drawing/2014/main" id="{C08DF87D-509D-459D-AEB9-32DAC3FB6D76}"/>
+              </a:ext>
+            </a:extLst>
+          </p:cNvPr>
+          <p:cNvSpPr>
+            <a:spLocks noGrp="1"/>
+          </p:cNvSpPr>
+          <p:nvPr>
+            <p:ph type="title"/>
+          </p:nvPr>
+        </p:nvSpPr>
+        <p:spPr/>
+        <p:txBody>
+          <a:bodyPr/>
+          <a:lstStyle/>
+          <a:p>
+            <a:r>
+              <a:rPr lang="ja-JP" altLang="en-US" dirty="0"/>
+              <a:t>注：色々な学生がいます</a:t>
+            </a:r>
+            <a:endParaRPr kumimoji="1" lang="ja-JP" altLang="en-US" dirty="0"/>
+          </a:p>
+        </p:txBody>
+      </p:sp>
+      <p:sp>
+        <p:nvSpPr>
+          <p:cNvPr id="3" name="コンテンツ プレースホルダー 2">
+            <a:extLst>
+              <a:ext uri="{FF2B5EF4-FFF2-40B4-BE49-F238E27FC236}">
+                <a16:creationId xmlns:a16="http://schemas.microsoft.com/office/drawing/2014/main" id="{48423C3A-2CCD-475B-BF0B-14D2CA1F9CEC}"/>
+              </a:ext>
+            </a:extLst>
+          </p:cNvPr>
+          <p:cNvSpPr>
+            <a:spLocks noGrp="1"/>
+          </p:cNvSpPr>
+          <p:nvPr>
+            <p:ph idx="1"/>
+          </p:nvPr>
+        </p:nvSpPr>
+        <p:spPr/>
+        <p:txBody>
+          <a:bodyPr/>
+          <a:lstStyle/>
+          <a:p>
+            <a:r>
+              <a:rPr lang="ja-JP" altLang="en-US" dirty="0"/>
+              <a:t>オンラインばかりはもう耐えられない</a:t>
+            </a:r>
+            <a:endParaRPr lang="en-US" altLang="ja-JP" dirty="0"/>
+          </a:p>
+          <a:p>
+            <a:r>
+              <a:rPr kumimoji="1" lang="ja-JP" altLang="en-US" dirty="0"/>
+              <a:t>一部だけでも対面にしてくだ</a:t>
+            </a:r>
+            <a:r>
+              <a:rPr lang="ja-JP" altLang="en-US" dirty="0"/>
+              <a:t>さい</a:t>
+            </a:r>
+            <a:endParaRPr lang="en-US" altLang="ja-JP" dirty="0"/>
+          </a:p>
+          <a:p>
+            <a:r>
+              <a:rPr lang="ja-JP" altLang="en-US" dirty="0"/>
+              <a:t>今の（コロナの）状況なら対面開始しないでください</a:t>
+            </a:r>
+            <a:endParaRPr lang="en-US" altLang="ja-JP" dirty="0"/>
+          </a:p>
+          <a:p>
+            <a:r>
+              <a:rPr lang="ja-JP" altLang="en-US" dirty="0"/>
+              <a:t>ちょっとだけ対面とかやめてほしい</a:t>
+            </a:r>
+            <a:endParaRPr lang="en-US" altLang="ja-JP" dirty="0"/>
+          </a:p>
+          <a:p>
+            <a:pPr lvl="1"/>
+            <a:r>
+              <a:rPr lang="ja-JP" altLang="en-US" dirty="0"/>
+              <a:t>そ</a:t>
+            </a:r>
+            <a:r>
+              <a:rPr kumimoji="1" lang="ja-JP" altLang="en-US" dirty="0"/>
+              <a:t>のために東京に引っ越したくない</a:t>
+            </a:r>
+          </a:p>
+        </p:txBody>
+      </p:sp>
+      <p:sp>
+        <p:nvSpPr>
+          <p:cNvPr id="4" name="日付プレースホルダー 3">
+            <a:extLst>
+              <a:ext uri="{FF2B5EF4-FFF2-40B4-BE49-F238E27FC236}">
+                <a16:creationId xmlns:a16="http://schemas.microsoft.com/office/drawing/2014/main" id="{CA66EC97-5CD7-44D3-8CD1-5B7967FC7960}"/>
+              </a:ext>
+            </a:extLst>
+          </p:cNvPr>
+          <p:cNvSpPr>
+            <a:spLocks noGrp="1"/>
+          </p:cNvSpPr>
+          <p:nvPr>
+            <p:ph type="dt" sz="half" idx="10"/>
+          </p:nvPr>
+        </p:nvSpPr>
+        <p:spPr/>
+        <p:txBody>
+          <a:bodyPr/>
+          <a:lstStyle/>
+          <a:p>
+            <a:r>
+              <a:rPr kumimoji="1" lang="en-US" altLang="ja-JP"/>
+              <a:t>2020/9/11</a:t>
+            </a:r>
+            <a:endParaRPr kumimoji="1" lang="ja-JP" altLang="en-US"/>
+          </a:p>
+        </p:txBody>
+      </p:sp>
+      <p:sp>
+        <p:nvSpPr>
+          <p:cNvPr id="5" name="フッター プレースホルダー 4">
+            <a:extLst>
+              <a:ext uri="{FF2B5EF4-FFF2-40B4-BE49-F238E27FC236}">
+                <a16:creationId xmlns:a16="http://schemas.microsoft.com/office/drawing/2014/main" id="{3B760D31-E9AB-4C33-A283-477D8EEB8169}"/>
+              </a:ext>
+            </a:extLst>
+          </p:cNvPr>
+          <p:cNvSpPr>
+            <a:spLocks noGrp="1"/>
+          </p:cNvSpPr>
+          <p:nvPr>
+            <p:ph type="ftr" sz="quarter" idx="11"/>
+          </p:nvPr>
+        </p:nvSpPr>
+        <p:spPr/>
+        <p:txBody>
+          <a:bodyPr/>
+          <a:lstStyle/>
+          <a:p>
+            <a:r>
+              <a:rPr kumimoji="1" lang="en-US" altLang="ja-JP"/>
+              <a:t>A</a:t>
+            </a:r>
+            <a:r>
+              <a:rPr kumimoji="1" lang="ja-JP" altLang="en-US"/>
+              <a:t>セメスタ説明会 </a:t>
+            </a:r>
+            <a:r>
+              <a:rPr kumimoji="1" lang="en-US" altLang="ja-JP"/>
+              <a:t>utelecon.github.io</a:t>
+            </a:r>
+            <a:endParaRPr kumimoji="1" lang="ja-JP" altLang="en-US"/>
+          </a:p>
+        </p:txBody>
+      </p:sp>
+      <p:sp>
+        <p:nvSpPr>
+          <p:cNvPr id="6" name="スライド番号プレースホルダー 5">
+            <a:extLst>
+              <a:ext uri="{FF2B5EF4-FFF2-40B4-BE49-F238E27FC236}">
+                <a16:creationId xmlns:a16="http://schemas.microsoft.com/office/drawing/2014/main" id="{7A504388-3F7C-496E-A718-9B80EDFD0034}"/>
+              </a:ext>
+            </a:extLst>
+          </p:cNvPr>
+          <p:cNvSpPr>
+            <a:spLocks noGrp="1"/>
+          </p:cNvSpPr>
+          <p:nvPr>
+            <p:ph type="sldNum" sz="quarter" idx="12"/>
+          </p:nvPr>
+        </p:nvSpPr>
+        <p:spPr/>
+        <p:txBody>
+          <a:bodyPr/>
+          <a:lstStyle/>
+          <a:p>
+            <a:fld id="{EDF77D8D-9987-453A-9A05-EB91CA595C68}" type="slidenum">
+              <a:rPr kumimoji="1" lang="ja-JP" altLang="en-US" smtClean="0"/>
+              <a:pPr/>
+              <a:t>4</a:t>
+            </a:fld>
+            <a:endParaRPr kumimoji="1" lang="ja-JP" altLang="en-US"/>
+          </a:p>
+        </p:txBody>
+      </p:sp>
+    </p:spTree>
+    <p:extLst>
+      <p:ext uri="{BB962C8B-B14F-4D97-AF65-F5344CB8AC3E}">
+        <p14:creationId xmlns:p14="http://schemas.microsoft.com/office/powerpoint/2010/main" val="71304796"/>
+      </p:ext>
+    </p:extLst>
+  </p:cSld>
+  <p:clrMapOvr>
+    <a:masterClrMapping/>
+  </p:clrMapOvr>
+</p:sld>
+</file>
+
+<file path=ppt/slides/slide5.xml><?xml version="1.0" encoding="utf-8"?>
+<p:sld xmlns:a="http://schemas.openxmlformats.org/drawingml/2006/main" xmlns:r="http://schemas.openxmlformats.org/officeDocument/2006/relationships" xmlns:p="http://schemas.openxmlformats.org/presentationml/2006/main">
+  <p:cSld>
+    <p:spTree>
+      <p:nvGrpSpPr>
+        <p:cNvPr id="1" name=""/>
+        <p:cNvGrpSpPr/>
+        <p:nvPr/>
+      </p:nvGrpSpPr>
+      <p:grpSpPr>
+        <a:xfrm>
+          <a:off x="0" y="0"/>
+          <a:ext cx="0" cy="0"/>
+          <a:chOff x="0" y="0"/>
+          <a:chExt cx="0" cy="0"/>
+        </a:xfrm>
+      </p:grpSpPr>
+      <p:sp>
+        <p:nvSpPr>
+          <p:cNvPr id="2" name="タイトル 1">
+            <a:extLst>
+              <a:ext uri="{FF2B5EF4-FFF2-40B4-BE49-F238E27FC236}">
+                <a16:creationId xmlns:a16="http://schemas.microsoft.com/office/drawing/2014/main" id="{54CA653B-6940-4D4E-B552-1877A27FC271}"/>
+              </a:ext>
+            </a:extLst>
+          </p:cNvPr>
+          <p:cNvSpPr>
+            <a:spLocks noGrp="1"/>
+          </p:cNvSpPr>
+          <p:nvPr>
+            <p:ph type="title"/>
+          </p:nvPr>
+        </p:nvSpPr>
+        <p:spPr/>
+        <p:txBody>
+          <a:bodyPr>
+            <a:normAutofit/>
+          </a:bodyPr>
+          <a:lstStyle/>
+          <a:p>
+            <a:r>
+              <a:rPr kumimoji="1" lang="ja-JP" altLang="en-US" dirty="0"/>
+              <a:t>昼休み拡大に関する背景説明</a:t>
+            </a:r>
+          </a:p>
+        </p:txBody>
+      </p:sp>
+      <p:sp>
+        <p:nvSpPr>
+          <p:cNvPr id="3" name="コンテンツ プレースホルダー 2">
+            <a:extLst>
+              <a:ext uri="{FF2B5EF4-FFF2-40B4-BE49-F238E27FC236}">
+                <a16:creationId xmlns:a16="http://schemas.microsoft.com/office/drawing/2014/main" id="{8F54269E-2483-4D51-803F-C1E10662E9A1}"/>
+              </a:ext>
+            </a:extLst>
+          </p:cNvPr>
+          <p:cNvSpPr>
+            <a:spLocks noGrp="1"/>
+          </p:cNvSpPr>
+          <p:nvPr>
+            <p:ph idx="1"/>
+          </p:nvPr>
+        </p:nvSpPr>
+        <p:spPr/>
+        <p:txBody>
+          <a:bodyPr/>
+          <a:lstStyle/>
+          <a:p>
+            <a:endParaRPr kumimoji="1" lang="ja-JP" altLang="en-US"/>
+          </a:p>
+        </p:txBody>
+      </p:sp>
+      <p:sp>
+        <p:nvSpPr>
+          <p:cNvPr id="4" name="日付プレースホルダー 3">
+            <a:extLst>
+              <a:ext uri="{FF2B5EF4-FFF2-40B4-BE49-F238E27FC236}">
+                <a16:creationId xmlns:a16="http://schemas.microsoft.com/office/drawing/2014/main" id="{9D92F38E-669F-4136-940B-8844BA0D4BB9}"/>
+              </a:ext>
+            </a:extLst>
+          </p:cNvPr>
+          <p:cNvSpPr>
+            <a:spLocks noGrp="1"/>
+          </p:cNvSpPr>
+          <p:nvPr>
+            <p:ph type="dt" sz="half" idx="10"/>
+          </p:nvPr>
+        </p:nvSpPr>
+        <p:spPr/>
+        <p:txBody>
+          <a:bodyPr/>
+          <a:lstStyle/>
+          <a:p>
+            <a:r>
+              <a:rPr kumimoji="1" lang="en-US" altLang="ja-JP"/>
+              <a:t>2020/9/11</a:t>
+            </a:r>
+            <a:endParaRPr kumimoji="1" lang="ja-JP" altLang="en-US"/>
+          </a:p>
+        </p:txBody>
+      </p:sp>
+      <p:sp>
+        <p:nvSpPr>
+          <p:cNvPr id="5" name="フッター プレースホルダー 4">
+            <a:extLst>
+              <a:ext uri="{FF2B5EF4-FFF2-40B4-BE49-F238E27FC236}">
+                <a16:creationId xmlns:a16="http://schemas.microsoft.com/office/drawing/2014/main" id="{D3AD5C3A-DD0F-4B39-84BE-3CB41D674CF7}"/>
+              </a:ext>
+            </a:extLst>
+          </p:cNvPr>
+          <p:cNvSpPr>
+            <a:spLocks noGrp="1"/>
+          </p:cNvSpPr>
+          <p:nvPr>
+            <p:ph type="ftr" sz="quarter" idx="11"/>
+          </p:nvPr>
+        </p:nvSpPr>
+        <p:spPr/>
+        <p:txBody>
+          <a:bodyPr/>
+          <a:lstStyle/>
+          <a:p>
+            <a:r>
+              <a:rPr kumimoji="1" lang="en-US" altLang="ja-JP"/>
+              <a:t>A</a:t>
+            </a:r>
+            <a:r>
+              <a:rPr kumimoji="1" lang="ja-JP" altLang="en-US"/>
+              <a:t>セメスタ説明会 </a:t>
+            </a:r>
+            <a:r>
+              <a:rPr kumimoji="1" lang="en-US" altLang="ja-JP"/>
+              <a:t>utelecon.github.io</a:t>
+            </a:r>
+            <a:endParaRPr kumimoji="1" lang="ja-JP" altLang="en-US"/>
+          </a:p>
+        </p:txBody>
+      </p:sp>
+      <p:sp>
+        <p:nvSpPr>
+          <p:cNvPr id="6" name="スライド番号プレースホルダー 5">
+            <a:extLst>
+              <a:ext uri="{FF2B5EF4-FFF2-40B4-BE49-F238E27FC236}">
+                <a16:creationId xmlns:a16="http://schemas.microsoft.com/office/drawing/2014/main" id="{60D5793F-97C5-4402-88DA-B3F3135B406D}"/>
+              </a:ext>
+            </a:extLst>
+          </p:cNvPr>
+          <p:cNvSpPr>
+            <a:spLocks noGrp="1"/>
+          </p:cNvSpPr>
+          <p:nvPr>
+            <p:ph type="sldNum" sz="quarter" idx="12"/>
+          </p:nvPr>
+        </p:nvSpPr>
+        <p:spPr/>
+        <p:txBody>
+          <a:bodyPr/>
+          <a:lstStyle/>
+          <a:p>
+            <a:fld id="{EDF77D8D-9987-453A-9A05-EB91CA595C68}" type="slidenum">
+              <a:rPr kumimoji="1" lang="ja-JP" altLang="en-US" smtClean="0"/>
+              <a:pPr/>
+              <a:t>5</a:t>
+            </a:fld>
+            <a:endParaRPr kumimoji="1" lang="ja-JP" altLang="en-US"/>
+          </a:p>
+        </p:txBody>
+      </p:sp>
+    </p:spTree>
+    <p:extLst>
+      <p:ext uri="{BB962C8B-B14F-4D97-AF65-F5344CB8AC3E}">
+        <p14:creationId xmlns:p14="http://schemas.microsoft.com/office/powerpoint/2010/main" val="189724630"/>
+      </p:ext>
+    </p:extLst>
+  </p:cSld>
+  <p:clrMapOvr>
+    <a:masterClrMapping/>
+  </p:clrMapOvr>
+</p:sld>
+</file>
+
+<file path=ppt/slides/slide6.xml><?xml version="1.0" encoding="utf-8"?>
+<p:sld xmlns:a="http://schemas.openxmlformats.org/drawingml/2006/main" xmlns:r="http://schemas.openxmlformats.org/officeDocument/2006/relationships" xmlns:p="http://schemas.openxmlformats.org/presentationml/2006/main">
+  <p:cSld>
+    <p:spTree>
+      <p:nvGrpSpPr>
+        <p:cNvPr id="1" name=""/>
+        <p:cNvGrpSpPr/>
+        <p:nvPr/>
+      </p:nvGrpSpPr>
+      <p:grpSpPr>
+        <a:xfrm>
+          <a:off x="0" y="0"/>
+          <a:ext cx="0" cy="0"/>
+          <a:chOff x="0" y="0"/>
+          <a:chExt cx="0" cy="0"/>
+        </a:xfrm>
+      </p:grpSpPr>
+      <p:sp>
+        <p:nvSpPr>
+          <p:cNvPr id="2" name="タイトル 1"/>
+          <p:cNvSpPr>
+            <a:spLocks noGrp="1"/>
+          </p:cNvSpPr>
+          <p:nvPr>
+            <p:ph type="title"/>
+          </p:nvPr>
+        </p:nvSpPr>
+        <p:spPr/>
+        <p:txBody>
+          <a:bodyPr/>
+          <a:lstStyle/>
+          <a:p>
+            <a:r>
+              <a:rPr kumimoji="1" lang="ja-JP" altLang="en-US" dirty="0"/>
+              <a:t>授業入室トラブル</a:t>
+            </a:r>
+          </a:p>
+        </p:txBody>
+      </p:sp>
+      <p:sp>
+        <p:nvSpPr>
+          <p:cNvPr id="3" name="コンテンツ プレースホルダ 2"/>
+          <p:cNvSpPr>
+            <a:spLocks noGrp="1"/>
+          </p:cNvSpPr>
+          <p:nvPr>
+            <p:ph idx="1"/>
+          </p:nvPr>
+        </p:nvSpPr>
+        <p:spPr/>
+        <p:txBody>
+          <a:bodyPr>
+            <a:normAutofit/>
+          </a:bodyPr>
+          <a:lstStyle/>
+          <a:p>
+            <a:endParaRPr kumimoji="1" lang="en-US" altLang="ja-JP" dirty="0"/>
+          </a:p>
+        </p:txBody>
+      </p:sp>
+      <p:sp>
+        <p:nvSpPr>
+          <p:cNvPr id="6" name="スライド番号プレースホルダ 5"/>
+          <p:cNvSpPr>
+            <a:spLocks noGrp="1"/>
+          </p:cNvSpPr>
+          <p:nvPr>
+            <p:ph type="sldNum" sz="quarter" idx="12"/>
+          </p:nvPr>
+        </p:nvSpPr>
+        <p:spPr/>
+        <p:txBody>
+          <a:bodyPr/>
+          <a:lstStyle/>
+          <a:p>
+            <a:fld id="{EDF77D8D-9987-453A-9A05-EB91CA595C68}" type="slidenum">
+              <a:rPr kumimoji="1" lang="ja-JP" altLang="en-US" smtClean="0"/>
+              <a:pPr/>
+              <a:t>6</a:t>
+            </a:fld>
+            <a:endParaRPr kumimoji="1" lang="ja-JP" altLang="en-US"/>
+          </a:p>
+        </p:txBody>
+      </p:sp>
+      <p:sp>
+        <p:nvSpPr>
+          <p:cNvPr id="7" name="フッター プレースホルダ 6"/>
+          <p:cNvSpPr>
+            <a:spLocks noGrp="1"/>
+          </p:cNvSpPr>
+          <p:nvPr>
+            <p:ph type="ftr" sz="quarter" idx="11"/>
+          </p:nvPr>
+        </p:nvSpPr>
+        <p:spPr/>
+        <p:txBody>
+          <a:bodyPr/>
+          <a:lstStyle/>
+          <a:p>
+            <a:r>
+              <a:rPr kumimoji="1" lang="en-US" altLang="ja-JP"/>
+              <a:t>A</a:t>
+            </a:r>
+            <a:r>
+              <a:rPr kumimoji="1" lang="ja-JP" altLang="en-US"/>
+              <a:t>セメスタ説明会 </a:t>
+            </a:r>
+            <a:r>
+              <a:rPr kumimoji="1" lang="en-US" altLang="ja-JP"/>
+              <a:t>utelecon.github.io</a:t>
+            </a:r>
+            <a:endParaRPr kumimoji="1" lang="ja-JP" altLang="en-US"/>
+          </a:p>
+        </p:txBody>
+      </p:sp>
+      <p:sp>
+        <p:nvSpPr>
+          <p:cNvPr id="8" name="日付プレースホルダ 7"/>
+          <p:cNvSpPr>
+            <a:spLocks noGrp="1"/>
+          </p:cNvSpPr>
+          <p:nvPr>
+            <p:ph type="dt" sz="half" idx="10"/>
+          </p:nvPr>
+        </p:nvSpPr>
+        <p:spPr/>
+        <p:txBody>
+          <a:bodyPr/>
+          <a:lstStyle/>
+          <a:p>
+            <a:r>
+              <a:rPr kumimoji="1" lang="en-US" altLang="ja-JP"/>
+              <a:t>2020/9/11</a:t>
+            </a:r>
+            <a:endParaRPr kumimoji="1" lang="ja-JP" altLang="en-US"/>
+          </a:p>
+        </p:txBody>
+      </p:sp>
+    </p:spTree>
+  </p:cSld>
+  <p:clrMapOvr>
+    <a:masterClrMapping/>
+  </p:clrMapOvr>
+</p:sld>
+</file>
+
+<file path=ppt/slides/slide7.xml><?xml version="1.0" encoding="utf-8"?>
+<p:sld xmlns:a="http://schemas.openxmlformats.org/drawingml/2006/main" xmlns:r="http://schemas.openxmlformats.org/officeDocument/2006/relationships" xmlns:p="http://schemas.openxmlformats.org/presentationml/2006/main">
+  <p:cSld>
+    <p:spTree>
+      <p:nvGrpSpPr>
+        <p:cNvPr id="1" name=""/>
+        <p:cNvGrpSpPr/>
+        <p:nvPr/>
+      </p:nvGrpSpPr>
+      <p:grpSpPr>
+        <a:xfrm>
+          <a:off x="0" y="0"/>
+          <a:ext cx="0" cy="0"/>
+          <a:chOff x="0" y="0"/>
+          <a:chExt cx="0" cy="0"/>
+        </a:xfrm>
+      </p:grpSpPr>
+      <p:sp>
+        <p:nvSpPr>
+          <p:cNvPr id="2" name="タイトル 1">
+            <a:extLst>
+              <a:ext uri="{FF2B5EF4-FFF2-40B4-BE49-F238E27FC236}">
+                <a16:creationId xmlns:a16="http://schemas.microsoft.com/office/drawing/2014/main" id="{022BAB04-76B8-4163-BA94-5F76CC948034}"/>
+              </a:ext>
+            </a:extLst>
+          </p:cNvPr>
+          <p:cNvSpPr>
+            <a:spLocks noGrp="1"/>
+          </p:cNvSpPr>
+          <p:nvPr>
+            <p:ph type="title"/>
+          </p:nvPr>
+        </p:nvSpPr>
+        <p:spPr/>
+        <p:txBody>
+          <a:bodyPr/>
+          <a:lstStyle/>
+          <a:p>
+            <a:r>
+              <a:rPr kumimoji="1" lang="ja-JP" altLang="en-US"/>
+              <a:t>その他のトラブル</a:t>
+            </a:r>
+          </a:p>
+        </p:txBody>
+      </p:sp>
+      <p:sp>
+        <p:nvSpPr>
+          <p:cNvPr id="3" name="コンテンツ プレースホルダー 2">
+            <a:extLst>
+              <a:ext uri="{FF2B5EF4-FFF2-40B4-BE49-F238E27FC236}">
+                <a16:creationId xmlns:a16="http://schemas.microsoft.com/office/drawing/2014/main" id="{61A1AEF3-D59C-43BF-9735-1283E9A7D85F}"/>
+              </a:ext>
+            </a:extLst>
+          </p:cNvPr>
+          <p:cNvSpPr>
+            <a:spLocks noGrp="1"/>
+          </p:cNvSpPr>
+          <p:nvPr>
+            <p:ph idx="1"/>
+          </p:nvPr>
+        </p:nvSpPr>
+        <p:spPr/>
+        <p:txBody>
+          <a:bodyPr/>
+          <a:lstStyle/>
+          <a:p>
+            <a:endParaRPr kumimoji="1" lang="ja-JP" altLang="en-US"/>
+          </a:p>
+        </p:txBody>
+      </p:sp>
+      <p:sp>
+        <p:nvSpPr>
+          <p:cNvPr id="4" name="日付プレースホルダー 3">
+            <a:extLst>
+              <a:ext uri="{FF2B5EF4-FFF2-40B4-BE49-F238E27FC236}">
+                <a16:creationId xmlns:a16="http://schemas.microsoft.com/office/drawing/2014/main" id="{5514B3CD-0C0B-43ED-ABCD-562C158A1FBE}"/>
+              </a:ext>
+            </a:extLst>
+          </p:cNvPr>
+          <p:cNvSpPr>
+            <a:spLocks noGrp="1"/>
+          </p:cNvSpPr>
+          <p:nvPr>
+            <p:ph type="dt" sz="half" idx="10"/>
+          </p:nvPr>
+        </p:nvSpPr>
+        <p:spPr/>
+        <p:txBody>
+          <a:bodyPr/>
+          <a:lstStyle/>
+          <a:p>
+            <a:r>
+              <a:rPr kumimoji="1" lang="en-US" altLang="ja-JP"/>
+              <a:t>2020/9/11</a:t>
+            </a:r>
+            <a:endParaRPr kumimoji="1" lang="ja-JP" altLang="en-US"/>
+          </a:p>
+        </p:txBody>
+      </p:sp>
+      <p:sp>
+        <p:nvSpPr>
+          <p:cNvPr id="5" name="フッター プレースホルダー 4">
+            <a:extLst>
+              <a:ext uri="{FF2B5EF4-FFF2-40B4-BE49-F238E27FC236}">
+                <a16:creationId xmlns:a16="http://schemas.microsoft.com/office/drawing/2014/main" id="{6FE074CF-1F8F-4010-ABA2-8CEF53C2C9FD}"/>
+              </a:ext>
+            </a:extLst>
+          </p:cNvPr>
+          <p:cNvSpPr>
+            <a:spLocks noGrp="1"/>
+          </p:cNvSpPr>
+          <p:nvPr>
+            <p:ph type="ftr" sz="quarter" idx="11"/>
+          </p:nvPr>
+        </p:nvSpPr>
+        <p:spPr/>
+        <p:txBody>
+          <a:bodyPr/>
+          <a:lstStyle/>
+          <a:p>
+            <a:r>
+              <a:rPr kumimoji="1" lang="en-US" altLang="ja-JP"/>
+              <a:t>A</a:t>
+            </a:r>
+            <a:r>
+              <a:rPr kumimoji="1" lang="ja-JP" altLang="en-US"/>
+              <a:t>セメスタ説明会 </a:t>
+            </a:r>
+            <a:r>
+              <a:rPr kumimoji="1" lang="en-US" altLang="ja-JP"/>
+              <a:t>utelecon.github.io</a:t>
+            </a:r>
+            <a:endParaRPr kumimoji="1" lang="ja-JP" altLang="en-US"/>
+          </a:p>
+        </p:txBody>
+      </p:sp>
+      <p:sp>
+        <p:nvSpPr>
+          <p:cNvPr id="6" name="スライド番号プレースホルダー 5">
+            <a:extLst>
+              <a:ext uri="{FF2B5EF4-FFF2-40B4-BE49-F238E27FC236}">
+                <a16:creationId xmlns:a16="http://schemas.microsoft.com/office/drawing/2014/main" id="{19EB234C-569D-4805-B852-047275FFDBF2}"/>
+              </a:ext>
+            </a:extLst>
+          </p:cNvPr>
+          <p:cNvSpPr>
+            <a:spLocks noGrp="1"/>
+          </p:cNvSpPr>
+          <p:nvPr>
+            <p:ph type="sldNum" sz="quarter" idx="12"/>
+          </p:nvPr>
+        </p:nvSpPr>
+        <p:spPr/>
+        <p:txBody>
+          <a:bodyPr/>
+          <a:lstStyle/>
+          <a:p>
+            <a:fld id="{EDF77D8D-9987-453A-9A05-EB91CA595C68}" type="slidenum">
+              <a:rPr kumimoji="1" lang="ja-JP" altLang="en-US" smtClean="0"/>
+              <a:pPr/>
+              <a:t>7</a:t>
+            </a:fld>
+            <a:endParaRPr kumimoji="1" lang="ja-JP" altLang="en-US"/>
+          </a:p>
+        </p:txBody>
+      </p:sp>
+    </p:spTree>
+    <p:extLst>
+      <p:ext uri="{BB962C8B-B14F-4D97-AF65-F5344CB8AC3E}">
+        <p14:creationId xmlns:p14="http://schemas.microsoft.com/office/powerpoint/2010/main" val="2820326653"/>
+      </p:ext>
+    </p:extLst>
   </p:cSld>
   <p:clrMapOvr>
     <a:masterClrMapping/>

--- a/events/2020-09-11/slides/02-review-last-semester.pptx
+++ b/events/2020-09-11/slides/02-review-last-semester.pptx
@@ -5,16 +5,17 @@
     <p:sldMasterId id="2147483660" r:id="rId1"/>
   </p:sldMasterIdLst>
   <p:notesMasterIdLst>
-    <p:notesMasterId r:id="rId9"/>
+    <p:notesMasterId r:id="rId10"/>
   </p:notesMasterIdLst>
   <p:sldIdLst>
     <p:sldId id="256" r:id="rId2"/>
-    <p:sldId id="366" r:id="rId3"/>
-    <p:sldId id="365" r:id="rId4"/>
-    <p:sldId id="368" r:id="rId5"/>
-    <p:sldId id="367" r:id="rId6"/>
-    <p:sldId id="257" r:id="rId7"/>
-    <p:sldId id="369" r:id="rId8"/>
+    <p:sldId id="370" r:id="rId3"/>
+    <p:sldId id="366" r:id="rId4"/>
+    <p:sldId id="365" r:id="rId5"/>
+    <p:sldId id="368" r:id="rId6"/>
+    <p:sldId id="367" r:id="rId7"/>
+    <p:sldId id="257" r:id="rId8"/>
+    <p:sldId id="369" r:id="rId9"/>
   </p:sldIdLst>
   <p:sldSz cx="9144000" cy="6858000" type="screen4x3"/>
   <p:notesSz cx="6858000" cy="9144000"/>
@@ -229,7 +230,7 @@
             <a:fld id="{35305EB0-020F-4995-961E-A35B2BB78D2B}" type="datetimeFigureOut">
               <a:rPr kumimoji="1" lang="ja-JP" altLang="en-US" smtClean="0"/>
               <a:pPr/>
-              <a:t>2020/9/5</a:t>
+              <a:t>2020/9/7</a:t>
             </a:fld>
             <a:endParaRPr kumimoji="1" lang="ja-JP" altLang="en-US"/>
           </a:p>
@@ -52534,6 +52535,203 @@
           <p:cNvPr id="2" name="タイトル 1">
             <a:extLst>
               <a:ext uri="{FF2B5EF4-FFF2-40B4-BE49-F238E27FC236}">
+                <a16:creationId xmlns:a16="http://schemas.microsoft.com/office/drawing/2014/main" id="{46379882-FC96-4719-9067-337B4C5724F5}"/>
+              </a:ext>
+            </a:extLst>
+          </p:cNvPr>
+          <p:cNvSpPr>
+            <a:spLocks noGrp="1"/>
+          </p:cNvSpPr>
+          <p:nvPr>
+            <p:ph type="title"/>
+          </p:nvPr>
+        </p:nvSpPr>
+        <p:spPr/>
+        <p:txBody>
+          <a:bodyPr/>
+          <a:lstStyle/>
+          <a:p>
+            <a:endParaRPr kumimoji="1" lang="ja-JP" altLang="en-US"/>
+          </a:p>
+        </p:txBody>
+      </p:sp>
+      <p:sp>
+        <p:nvSpPr>
+          <p:cNvPr id="3" name="コンテンツ プレースホルダー 2">
+            <a:extLst>
+              <a:ext uri="{FF2B5EF4-FFF2-40B4-BE49-F238E27FC236}">
+                <a16:creationId xmlns:a16="http://schemas.microsoft.com/office/drawing/2014/main" id="{3BA23699-FEFF-43F3-AFCF-45D1CDDA71A3}"/>
+              </a:ext>
+            </a:extLst>
+          </p:cNvPr>
+          <p:cNvSpPr>
+            <a:spLocks noGrp="1"/>
+          </p:cNvSpPr>
+          <p:nvPr>
+            <p:ph idx="1"/>
+          </p:nvPr>
+        </p:nvSpPr>
+        <p:spPr/>
+        <p:txBody>
+          <a:bodyPr/>
+          <a:lstStyle/>
+          <a:p>
+            <a:r>
+              <a:rPr kumimoji="1" lang="ja-JP" altLang="en-US" dirty="0"/>
+              <a:t>先日</a:t>
+            </a:r>
+            <a:r>
+              <a:rPr kumimoji="1" lang="en-US" altLang="ja-JP" dirty="0"/>
+              <a:t>NII</a:t>
+            </a:r>
+            <a:r>
+              <a:rPr kumimoji="1" lang="ja-JP" altLang="en-US" dirty="0"/>
+              <a:t>シンポで話した内容をかなり再利用すると思います</a:t>
+            </a:r>
+            <a:endParaRPr kumimoji="1" lang="en-US" altLang="ja-JP" dirty="0"/>
+          </a:p>
+          <a:p>
+            <a:r>
+              <a:rPr kumimoji="1" lang="en-US" altLang="ja-JP">
+                <a:hlinkClick r:id="rId2"/>
+              </a:rPr>
+              <a:t>https://www.nii.ac.jp/event/upload/20200904-06_Taura.pdf</a:t>
+            </a:r>
+            <a:endParaRPr lang="en-US" altLang="ja-JP"/>
+          </a:p>
+        </p:txBody>
+      </p:sp>
+      <p:sp>
+        <p:nvSpPr>
+          <p:cNvPr id="4" name="日付プレースホルダー 3">
+            <a:extLst>
+              <a:ext uri="{FF2B5EF4-FFF2-40B4-BE49-F238E27FC236}">
+                <a16:creationId xmlns:a16="http://schemas.microsoft.com/office/drawing/2014/main" id="{1277DC92-EA03-4ECC-90F1-208A240F66AD}"/>
+              </a:ext>
+            </a:extLst>
+          </p:cNvPr>
+          <p:cNvSpPr>
+            <a:spLocks noGrp="1"/>
+          </p:cNvSpPr>
+          <p:nvPr>
+            <p:ph type="dt" sz="half" idx="10"/>
+          </p:nvPr>
+        </p:nvSpPr>
+        <p:spPr/>
+        <p:txBody>
+          <a:bodyPr/>
+          <a:lstStyle/>
+          <a:p>
+            <a:r>
+              <a:rPr kumimoji="1" lang="en-US" altLang="ja-JP"/>
+              <a:t>2020/9/11</a:t>
+            </a:r>
+            <a:endParaRPr kumimoji="1" lang="ja-JP" altLang="en-US"/>
+          </a:p>
+        </p:txBody>
+      </p:sp>
+      <p:sp>
+        <p:nvSpPr>
+          <p:cNvPr id="5" name="フッター プレースホルダー 4">
+            <a:extLst>
+              <a:ext uri="{FF2B5EF4-FFF2-40B4-BE49-F238E27FC236}">
+                <a16:creationId xmlns:a16="http://schemas.microsoft.com/office/drawing/2014/main" id="{8E4A3DC3-E3D6-4113-93AF-9086D6260A67}"/>
+              </a:ext>
+            </a:extLst>
+          </p:cNvPr>
+          <p:cNvSpPr>
+            <a:spLocks noGrp="1"/>
+          </p:cNvSpPr>
+          <p:nvPr>
+            <p:ph type="ftr" sz="quarter" idx="11"/>
+          </p:nvPr>
+        </p:nvSpPr>
+        <p:spPr/>
+        <p:txBody>
+          <a:bodyPr/>
+          <a:lstStyle/>
+          <a:p>
+            <a:r>
+              <a:rPr kumimoji="1" lang="en-US" altLang="ja-JP"/>
+              <a:t>A</a:t>
+            </a:r>
+            <a:r>
+              <a:rPr kumimoji="1" lang="ja-JP" altLang="en-US"/>
+              <a:t>セメスタ説明会 </a:t>
+            </a:r>
+            <a:r>
+              <a:rPr kumimoji="1" lang="en-US" altLang="ja-JP"/>
+              <a:t>utelecon.github.io</a:t>
+            </a:r>
+            <a:endParaRPr kumimoji="1" lang="ja-JP" altLang="en-US"/>
+          </a:p>
+        </p:txBody>
+      </p:sp>
+      <p:sp>
+        <p:nvSpPr>
+          <p:cNvPr id="6" name="スライド番号プレースホルダー 5">
+            <a:extLst>
+              <a:ext uri="{FF2B5EF4-FFF2-40B4-BE49-F238E27FC236}">
+                <a16:creationId xmlns:a16="http://schemas.microsoft.com/office/drawing/2014/main" id="{323F7131-D87A-45D1-849C-F8B874F32DB3}"/>
+              </a:ext>
+            </a:extLst>
+          </p:cNvPr>
+          <p:cNvSpPr>
+            <a:spLocks noGrp="1"/>
+          </p:cNvSpPr>
+          <p:nvPr>
+            <p:ph type="sldNum" sz="quarter" idx="12"/>
+          </p:nvPr>
+        </p:nvSpPr>
+        <p:spPr/>
+        <p:txBody>
+          <a:bodyPr/>
+          <a:lstStyle/>
+          <a:p>
+            <a:fld id="{EDF77D8D-9987-453A-9A05-EB91CA595C68}" type="slidenum">
+              <a:rPr kumimoji="1" lang="ja-JP" altLang="en-US" smtClean="0"/>
+              <a:pPr/>
+              <a:t>2</a:t>
+            </a:fld>
+            <a:endParaRPr kumimoji="1" lang="ja-JP" altLang="en-US"/>
+          </a:p>
+        </p:txBody>
+      </p:sp>
+    </p:spTree>
+    <p:extLst>
+      <p:ext uri="{BB962C8B-B14F-4D97-AF65-F5344CB8AC3E}">
+        <p14:creationId xmlns:p14="http://schemas.microsoft.com/office/powerpoint/2010/main" val="475414356"/>
+      </p:ext>
+    </p:extLst>
+  </p:cSld>
+  <p:clrMapOvr>
+    <a:masterClrMapping/>
+  </p:clrMapOvr>
+</p:sld>
+</file>
+
+<file path=ppt/slides/slide3.xml><?xml version="1.0" encoding="utf-8"?>
+<p:sld xmlns:a="http://schemas.openxmlformats.org/drawingml/2006/main" xmlns:r="http://schemas.openxmlformats.org/officeDocument/2006/relationships" xmlns:p="http://schemas.openxmlformats.org/presentationml/2006/main">
+  <p:cSld>
+    <p:spTree>
+      <p:nvGrpSpPr>
+        <p:cNvPr id="1" name=""/>
+        <p:cNvGrpSpPr/>
+        <p:nvPr/>
+      </p:nvGrpSpPr>
+      <p:grpSpPr>
+        <a:xfrm>
+          <a:off x="0" y="0"/>
+          <a:ext cx="0" cy="0"/>
+          <a:chOff x="0" y="0"/>
+          <a:chExt cx="0" cy="0"/>
+        </a:xfrm>
+      </p:grpSpPr>
+      <p:sp>
+        <p:nvSpPr>
+          <p:cNvPr id="2" name="タイトル 1">
+            <a:extLst>
+              <a:ext uri="{FF2B5EF4-FFF2-40B4-BE49-F238E27FC236}">
                 <a16:creationId xmlns:a16="http://schemas.microsoft.com/office/drawing/2014/main" id="{B3B4886F-D6CB-4EA9-A8CE-18F0488D2A5D}"/>
               </a:ext>
             </a:extLst>
@@ -52674,7 +52872,7 @@
             <a:fld id="{EDF77D8D-9987-453A-9A05-EB91CA595C68}" type="slidenum">
               <a:rPr kumimoji="1" lang="ja-JP" altLang="en-US" smtClean="0"/>
               <a:pPr/>
-              <a:t>2</a:t>
+              <a:t>3</a:t>
             </a:fld>
             <a:endParaRPr kumimoji="1" lang="ja-JP" altLang="en-US"/>
           </a:p>
@@ -52693,7 +52891,7 @@
 </p:sld>
 </file>
 
-<file path=ppt/slides/slide3.xml><?xml version="1.0" encoding="utf-8"?>
+<file path=ppt/slides/slide4.xml><?xml version="1.0" encoding="utf-8"?>
 <p:sld xmlns:a="http://schemas.openxmlformats.org/drawingml/2006/main" xmlns:r="http://schemas.openxmlformats.org/officeDocument/2006/relationships" xmlns:p="http://schemas.openxmlformats.org/presentationml/2006/main">
   <p:cSld>
     <p:spTree>
@@ -52832,7 +53030,7 @@
             <a:fld id="{EDF77D8D-9987-453A-9A05-EB91CA595C68}" type="slidenum">
               <a:rPr kumimoji="1" lang="ja-JP" altLang="en-US" smtClean="0"/>
               <a:pPr/>
-              <a:t>3</a:t>
+              <a:t>4</a:t>
             </a:fld>
             <a:endParaRPr kumimoji="1" lang="ja-JP" altLang="en-US"/>
           </a:p>
@@ -52846,7 +53044,7 @@
 </p:sld>
 </file>
 
-<file path=ppt/slides/slide4.xml><?xml version="1.0" encoding="utf-8"?>
+<file path=ppt/slides/slide5.xml><?xml version="1.0" encoding="utf-8"?>
 <p:sld xmlns:a="http://schemas.openxmlformats.org/drawingml/2006/main" xmlns:r="http://schemas.openxmlformats.org/officeDocument/2006/relationships" xmlns:p="http://schemas.openxmlformats.org/presentationml/2006/main">
   <p:cSld>
     <p:spTree>
@@ -53047,7 +53245,7 @@
             <a:fld id="{EDF77D8D-9987-453A-9A05-EB91CA595C68}" type="slidenum">
               <a:rPr kumimoji="1" lang="ja-JP" altLang="en-US" smtClean="0"/>
               <a:pPr/>
-              <a:t>4</a:t>
+              <a:t>5</a:t>
             </a:fld>
             <a:endParaRPr kumimoji="1" lang="ja-JP" altLang="en-US"/>
           </a:p>
@@ -53066,7 +53264,7 @@
 </p:sld>
 </file>
 
-<file path=ppt/slides/slide5.xml><?xml version="1.0" encoding="utf-8"?>
+<file path=ppt/slides/slide6.xml><?xml version="1.0" encoding="utf-8"?>
 <p:sld xmlns:a="http://schemas.openxmlformats.org/drawingml/2006/main" xmlns:r="http://schemas.openxmlformats.org/officeDocument/2006/relationships" xmlns:p="http://schemas.openxmlformats.org/presentationml/2006/main">
   <p:cSld>
     <p:spTree>
@@ -53228,7 +53426,7 @@
             <a:fld id="{EDF77D8D-9987-453A-9A05-EB91CA595C68}" type="slidenum">
               <a:rPr kumimoji="1" lang="ja-JP" altLang="en-US" smtClean="0"/>
               <a:pPr/>
-              <a:t>5</a:t>
+              <a:t>6</a:t>
             </a:fld>
             <a:endParaRPr kumimoji="1" lang="ja-JP" altLang="en-US"/>
           </a:p>
@@ -53247,7 +53445,7 @@
 </p:sld>
 </file>
 
-<file path=ppt/slides/slide6.xml><?xml version="1.0" encoding="utf-8"?>
+<file path=ppt/slides/slide7.xml><?xml version="1.0" encoding="utf-8"?>
 <p:sld xmlns:a="http://schemas.openxmlformats.org/drawingml/2006/main" xmlns:r="http://schemas.openxmlformats.org/officeDocument/2006/relationships" xmlns:p="http://schemas.openxmlformats.org/presentationml/2006/main">
   <p:cSld>
     <p:spTree>
@@ -53325,7 +53523,7 @@
             <a:fld id="{EDF77D8D-9987-453A-9A05-EB91CA595C68}" type="slidenum">
               <a:rPr kumimoji="1" lang="ja-JP" altLang="en-US" smtClean="0"/>
               <a:pPr/>
-              <a:t>6</a:t>
+              <a:t>7</a:t>
             </a:fld>
             <a:endParaRPr kumimoji="1" lang="ja-JP" altLang="en-US"/>
           </a:p>
@@ -53393,7 +53591,7 @@
 </p:sld>
 </file>
 
-<file path=ppt/slides/slide7.xml><?xml version="1.0" encoding="utf-8"?>
+<file path=ppt/slides/slide8.xml><?xml version="1.0" encoding="utf-8"?>
 <p:sld xmlns:a="http://schemas.openxmlformats.org/drawingml/2006/main" xmlns:r="http://schemas.openxmlformats.org/officeDocument/2006/relationships" xmlns:p="http://schemas.openxmlformats.org/presentationml/2006/main">
   <p:cSld>
     <p:spTree>
@@ -53553,7 +53751,7 @@
             <a:fld id="{EDF77D8D-9987-453A-9A05-EB91CA595C68}" type="slidenum">
               <a:rPr kumimoji="1" lang="ja-JP" altLang="en-US" smtClean="0"/>
               <a:pPr/>
-              <a:t>7</a:t>
+              <a:t>8</a:t>
             </a:fld>
             <a:endParaRPr kumimoji="1" lang="ja-JP" altLang="en-US"/>
           </a:p>

--- a/events/2020-09-11/slides/02-review-last-semester.pptx
+++ b/events/2020-09-11/slides/02-review-last-semester.pptx
@@ -53657,6 +53657,25 @@
           <a:bodyPr/>
           <a:lstStyle/>
           <a:p>
+            <a:r>
+              <a:rPr kumimoji="1" lang="en-US" altLang="ja-JP" dirty="0"/>
+              <a:t>Zoom</a:t>
+            </a:r>
+            <a:r>
+              <a:rPr kumimoji="1" lang="ja-JP" altLang="en-US" dirty="0"/>
+              <a:t>の安全な</a:t>
+            </a:r>
+            <a:endParaRPr kumimoji="1" lang="en-US" altLang="ja-JP" dirty="0"/>
+          </a:p>
+          <a:p>
+            <a:r>
+              <a:rPr lang="en-US" altLang="ja-JP" dirty="0"/>
+              <a:t>Zoom</a:t>
+            </a:r>
+            <a:r>
+              <a:rPr lang="ja-JP" altLang="en-US"/>
+              <a:t>自身がやばいとかではない</a:t>
+            </a:r>
             <a:endParaRPr kumimoji="1" lang="ja-JP" altLang="en-US"/>
           </a:p>
         </p:txBody>
